--- a/critique.pptx
+++ b/critique.pptx
@@ -6,11 +6,14 @@
   </p:sldMasterIdLst>
   <p:sldIdLst>
     <p:sldId id="256" r:id="rId2"/>
-    <p:sldId id="257" r:id="rId3"/>
-    <p:sldId id="258" r:id="rId4"/>
-    <p:sldId id="259" r:id="rId5"/>
-    <p:sldId id="260" r:id="rId6"/>
-    <p:sldId id="261" r:id="rId7"/>
+    <p:sldId id="262" r:id="rId3"/>
+    <p:sldId id="263" r:id="rId4"/>
+    <p:sldId id="264" r:id="rId5"/>
+    <p:sldId id="257" r:id="rId6"/>
+    <p:sldId id="258" r:id="rId7"/>
+    <p:sldId id="259" r:id="rId8"/>
+    <p:sldId id="260" r:id="rId9"/>
+    <p:sldId id="261" r:id="rId10"/>
   </p:sldIdLst>
   <p:sldSz cx="12192000" cy="6858000"/>
   <p:notesSz cx="6858000" cy="9144000"/>
@@ -109,6 +112,11 @@
       </a:defRPr>
     </a:lvl9pPr>
   </p:defaultTextStyle>
+  <p:extLst>
+    <p:ext uri="{EFAFB233-063F-42B5-8137-9DF3F51BA10A}">
+      <p15:sldGuideLst xmlns:p15="http://schemas.microsoft.com/office/powerpoint/2012/main"/>
+    </p:ext>
+  </p:extLst>
 </p:presentation>
 </file>
 
@@ -3488,7 +3496,7 @@
           <p:cNvPr id="2" name="Title 1">
             <a:extLst>
               <a:ext uri="{FF2B5EF4-FFF2-40B4-BE49-F238E27FC236}">
-                <a16:creationId xmlns:a16="http://schemas.microsoft.com/office/drawing/2014/main" id="{C250DAB5-0961-1948-8CFB-F2F4F6F3DEC5}"/>
+                <a16:creationId xmlns:a16="http://schemas.microsoft.com/office/drawing/2014/main" id="{DAD4BE37-F994-AC40-AD31-90300F3276F3}"/>
               </a:ext>
             </a:extLst>
           </p:cNvPr>
@@ -3506,7 +3514,7 @@
           <a:p>
             <a:r>
               <a:rPr lang="en-US" dirty="0"/>
-              <a:t>Question 1</a:t>
+              <a:t>General Criticism</a:t>
             </a:r>
           </a:p>
         </p:txBody>
@@ -3516,7 +3524,7 @@
           <p:cNvPr id="3" name="Content Placeholder 2">
             <a:extLst>
               <a:ext uri="{FF2B5EF4-FFF2-40B4-BE49-F238E27FC236}">
-                <a16:creationId xmlns:a16="http://schemas.microsoft.com/office/drawing/2014/main" id="{382536FE-A471-DC4E-976C-A6EF622F33CB}"/>
+                <a16:creationId xmlns:a16="http://schemas.microsoft.com/office/drawing/2014/main" id="{11E600EF-3012-7F43-9BA7-424917DC1DE6}"/>
               </a:ext>
             </a:extLst>
           </p:cNvPr>
@@ -3534,7 +3542,40 @@
           <a:p>
             <a:r>
               <a:rPr lang="en-US" dirty="0"/>
-              <a:t>Adaptive GUI testing – Is it faster, convenient, cheap and hassle free?</a:t>
+              <a:t>Positive Criticism: The study has made a great effort by introducing AGT and VOG, using which developers can test their applications faster and in a shorter period of time.</a:t>
+            </a:r>
+          </a:p>
+          <a:p>
+            <a:r>
+              <a:rPr lang="en-US" dirty="0"/>
+              <a:t>Negative Criticism: Additional Testing on devices </a:t>
+            </a:r>
+          </a:p>
+          <a:p>
+            <a:pPr marL="0" indent="0">
+              <a:buNone/>
+            </a:pPr>
+            <a:r>
+              <a:rPr lang="en-US" dirty="0"/>
+              <a:t>  1. With different screen size</a:t>
+            </a:r>
+          </a:p>
+          <a:p>
+            <a:pPr marL="0" indent="0">
+              <a:buNone/>
+            </a:pPr>
+            <a:r>
+              <a:rPr lang="en-US" dirty="0"/>
+              <a:t>  2. With different operating systems.</a:t>
+            </a:r>
+          </a:p>
+          <a:p>
+            <a:pPr marL="0" indent="0">
+              <a:buNone/>
+            </a:pPr>
+            <a:r>
+              <a:rPr lang="en-US" dirty="0"/>
+              <a:t>  3. With different applications. </a:t>
             </a:r>
           </a:p>
         </p:txBody>
@@ -3542,7 +3583,7 @@
     </p:spTree>
     <p:extLst>
       <p:ext uri="{BB962C8B-B14F-4D97-AF65-F5344CB8AC3E}">
-        <p14:creationId xmlns:p14="http://schemas.microsoft.com/office/powerpoint/2010/main" val="1663929940"/>
+        <p14:creationId xmlns:p14="http://schemas.microsoft.com/office/powerpoint/2010/main" val="4154986038"/>
       </p:ext>
     </p:extLst>
   </p:cSld>
@@ -3574,7 +3615,7 @@
           <p:cNvPr id="2" name="Title 1">
             <a:extLst>
               <a:ext uri="{FF2B5EF4-FFF2-40B4-BE49-F238E27FC236}">
-                <a16:creationId xmlns:a16="http://schemas.microsoft.com/office/drawing/2014/main" id="{C8752E9A-4606-E842-964C-14C1CF59F8C4}"/>
+                <a16:creationId xmlns:a16="http://schemas.microsoft.com/office/drawing/2014/main" id="{587711E0-8E77-E04D-A3B0-F90E54A4E4F6}"/>
               </a:ext>
             </a:extLst>
           </p:cNvPr>
@@ -3592,7 +3633,7 @@
           <a:p>
             <a:r>
               <a:rPr lang="en-US" dirty="0"/>
-              <a:t>Question 2</a:t>
+              <a:t>Positive Aspects</a:t>
             </a:r>
           </a:p>
         </p:txBody>
@@ -3602,7 +3643,7 @@
           <p:cNvPr id="3" name="Content Placeholder 2">
             <a:extLst>
               <a:ext uri="{FF2B5EF4-FFF2-40B4-BE49-F238E27FC236}">
-                <a16:creationId xmlns:a16="http://schemas.microsoft.com/office/drawing/2014/main" id="{84F4BCBD-E9B0-4848-A845-DC6C7C215B7D}"/>
+                <a16:creationId xmlns:a16="http://schemas.microsoft.com/office/drawing/2014/main" id="{FBC8E55A-1E2C-E742-958B-1D8074CDA803}"/>
               </a:ext>
             </a:extLst>
           </p:cNvPr>
@@ -3620,7 +3661,19 @@
           <a:p>
             <a:r>
               <a:rPr lang="en-US" dirty="0"/>
-              <a:t>Are Visually Oriented Gestures equivalent to a human gesture?</a:t>
+              <a:t>The paper exposes the difficulties experienced by mobile developers due to the ever changing market scenarios.</a:t>
+            </a:r>
+          </a:p>
+          <a:p>
+            <a:r>
+              <a:rPr lang="en-US" dirty="0"/>
+              <a:t>The paper shows how the developers have to develop patches to fix bugs which could not be found due to insufficient testing methods.</a:t>
+            </a:r>
+          </a:p>
+          <a:p>
+            <a:r>
+              <a:rPr lang="en-US" dirty="0"/>
+              <a:t>They did test their method across a large number of applications.</a:t>
             </a:r>
           </a:p>
         </p:txBody>
@@ -3628,7 +3681,7 @@
     </p:spTree>
     <p:extLst>
       <p:ext uri="{BB962C8B-B14F-4D97-AF65-F5344CB8AC3E}">
-        <p14:creationId xmlns:p14="http://schemas.microsoft.com/office/powerpoint/2010/main" val="2917523648"/>
+        <p14:creationId xmlns:p14="http://schemas.microsoft.com/office/powerpoint/2010/main" val="1138452678"/>
       </p:ext>
     </p:extLst>
   </p:cSld>
@@ -3660,7 +3713,7 @@
           <p:cNvPr id="2" name="Title 1">
             <a:extLst>
               <a:ext uri="{FF2B5EF4-FFF2-40B4-BE49-F238E27FC236}">
-                <a16:creationId xmlns:a16="http://schemas.microsoft.com/office/drawing/2014/main" id="{AC1E8F1A-46AD-964B-8816-5DD22B0488AA}"/>
+                <a16:creationId xmlns:a16="http://schemas.microsoft.com/office/drawing/2014/main" id="{DEA37990-51A2-084B-A125-5FA75A76E5DE}"/>
               </a:ext>
             </a:extLst>
           </p:cNvPr>
@@ -3678,7 +3731,7 @@
           <a:p>
             <a:r>
               <a:rPr lang="en-US" dirty="0"/>
-              <a:t>Question 3</a:t>
+              <a:t>Negative Aspects</a:t>
             </a:r>
           </a:p>
         </p:txBody>
@@ -3688,7 +3741,7 @@
           <p:cNvPr id="3" name="Content Placeholder 2">
             <a:extLst>
               <a:ext uri="{FF2B5EF4-FFF2-40B4-BE49-F238E27FC236}">
-                <a16:creationId xmlns:a16="http://schemas.microsoft.com/office/drawing/2014/main" id="{54993860-D5BC-8244-B988-04A3CF6D38B9}"/>
+                <a16:creationId xmlns:a16="http://schemas.microsoft.com/office/drawing/2014/main" id="{84D18F07-564A-7942-B116-F46776ED31F5}"/>
               </a:ext>
             </a:extLst>
           </p:cNvPr>
@@ -3706,15 +3759,7 @@
           <a:p>
             <a:r>
               <a:rPr lang="en-US" dirty="0"/>
-              <a:t>Can AGT be used across all smartphones, because their gesture length, screen size </a:t>
-            </a:r>
-            <a:r>
-              <a:rPr lang="en-US" dirty="0" err="1"/>
-              <a:t>etc</a:t>
-            </a:r>
-            <a:r>
-              <a:rPr lang="en-US" dirty="0"/>
-              <a:t> can vary?</a:t>
+              <a:t>The paper focuses on one phone model, and a particular operating system, even though they mention that the process can be applied across all phones.</a:t>
             </a:r>
           </a:p>
         </p:txBody>
@@ -3722,7 +3767,7 @@
     </p:spTree>
     <p:extLst>
       <p:ext uri="{BB962C8B-B14F-4D97-AF65-F5344CB8AC3E}">
-        <p14:creationId xmlns:p14="http://schemas.microsoft.com/office/powerpoint/2010/main" val="236663965"/>
+        <p14:creationId xmlns:p14="http://schemas.microsoft.com/office/powerpoint/2010/main" val="2090631515"/>
       </p:ext>
     </p:extLst>
   </p:cSld>
@@ -3754,6 +3799,272 @@
           <p:cNvPr id="2" name="Title 1">
             <a:extLst>
               <a:ext uri="{FF2B5EF4-FFF2-40B4-BE49-F238E27FC236}">
+                <a16:creationId xmlns:a16="http://schemas.microsoft.com/office/drawing/2014/main" id="{C250DAB5-0961-1948-8CFB-F2F4F6F3DEC5}"/>
+              </a:ext>
+            </a:extLst>
+          </p:cNvPr>
+          <p:cNvSpPr>
+            <a:spLocks noGrp="1"/>
+          </p:cNvSpPr>
+          <p:nvPr>
+            <p:ph type="title"/>
+          </p:nvPr>
+        </p:nvSpPr>
+        <p:spPr/>
+        <p:txBody>
+          <a:bodyPr/>
+          <a:lstStyle/>
+          <a:p>
+            <a:r>
+              <a:rPr lang="en-US" dirty="0"/>
+              <a:t>Question 1</a:t>
+            </a:r>
+          </a:p>
+        </p:txBody>
+      </p:sp>
+      <p:sp>
+        <p:nvSpPr>
+          <p:cNvPr id="3" name="Content Placeholder 2">
+            <a:extLst>
+              <a:ext uri="{FF2B5EF4-FFF2-40B4-BE49-F238E27FC236}">
+                <a16:creationId xmlns:a16="http://schemas.microsoft.com/office/drawing/2014/main" id="{382536FE-A471-DC4E-976C-A6EF622F33CB}"/>
+              </a:ext>
+            </a:extLst>
+          </p:cNvPr>
+          <p:cNvSpPr>
+            <a:spLocks noGrp="1"/>
+          </p:cNvSpPr>
+          <p:nvPr>
+            <p:ph idx="1"/>
+          </p:nvPr>
+        </p:nvSpPr>
+        <p:spPr/>
+        <p:txBody>
+          <a:bodyPr/>
+          <a:lstStyle/>
+          <a:p>
+            <a:r>
+              <a:rPr lang="en-US" dirty="0"/>
+              <a:t>Adaptive GUI testing – Is it faster, convenient, cheap and hassle free?</a:t>
+            </a:r>
+          </a:p>
+        </p:txBody>
+      </p:sp>
+    </p:spTree>
+    <p:extLst>
+      <p:ext uri="{BB962C8B-B14F-4D97-AF65-F5344CB8AC3E}">
+        <p14:creationId xmlns:p14="http://schemas.microsoft.com/office/powerpoint/2010/main" val="1663929940"/>
+      </p:ext>
+    </p:extLst>
+  </p:cSld>
+  <p:clrMapOvr>
+    <a:masterClrMapping/>
+  </p:clrMapOvr>
+</p:sld>
+</file>
+
+<file path=ppt/slides/slide6.xml><?xml version="1.0" encoding="utf-8"?>
+<p:sld xmlns:a="http://schemas.openxmlformats.org/drawingml/2006/main" xmlns:r="http://schemas.openxmlformats.org/officeDocument/2006/relationships" xmlns:p="http://schemas.openxmlformats.org/presentationml/2006/main">
+  <p:cSld>
+    <p:spTree>
+      <p:nvGrpSpPr>
+        <p:cNvPr id="1" name=""/>
+        <p:cNvGrpSpPr/>
+        <p:nvPr/>
+      </p:nvGrpSpPr>
+      <p:grpSpPr>
+        <a:xfrm>
+          <a:off x="0" y="0"/>
+          <a:ext cx="0" cy="0"/>
+          <a:chOff x="0" y="0"/>
+          <a:chExt cx="0" cy="0"/>
+        </a:xfrm>
+      </p:grpSpPr>
+      <p:sp>
+        <p:nvSpPr>
+          <p:cNvPr id="2" name="Title 1">
+            <a:extLst>
+              <a:ext uri="{FF2B5EF4-FFF2-40B4-BE49-F238E27FC236}">
+                <a16:creationId xmlns:a16="http://schemas.microsoft.com/office/drawing/2014/main" id="{C8752E9A-4606-E842-964C-14C1CF59F8C4}"/>
+              </a:ext>
+            </a:extLst>
+          </p:cNvPr>
+          <p:cNvSpPr>
+            <a:spLocks noGrp="1"/>
+          </p:cNvSpPr>
+          <p:nvPr>
+            <p:ph type="title"/>
+          </p:nvPr>
+        </p:nvSpPr>
+        <p:spPr/>
+        <p:txBody>
+          <a:bodyPr/>
+          <a:lstStyle/>
+          <a:p>
+            <a:r>
+              <a:rPr lang="en-US" dirty="0"/>
+              <a:t>Question 2</a:t>
+            </a:r>
+          </a:p>
+        </p:txBody>
+      </p:sp>
+      <p:sp>
+        <p:nvSpPr>
+          <p:cNvPr id="3" name="Content Placeholder 2">
+            <a:extLst>
+              <a:ext uri="{FF2B5EF4-FFF2-40B4-BE49-F238E27FC236}">
+                <a16:creationId xmlns:a16="http://schemas.microsoft.com/office/drawing/2014/main" id="{84F4BCBD-E9B0-4848-A845-DC6C7C215B7D}"/>
+              </a:ext>
+            </a:extLst>
+          </p:cNvPr>
+          <p:cNvSpPr>
+            <a:spLocks noGrp="1"/>
+          </p:cNvSpPr>
+          <p:nvPr>
+            <p:ph idx="1"/>
+          </p:nvPr>
+        </p:nvSpPr>
+        <p:spPr/>
+        <p:txBody>
+          <a:bodyPr/>
+          <a:lstStyle/>
+          <a:p>
+            <a:r>
+              <a:rPr lang="en-US" dirty="0"/>
+              <a:t>Are Visually Oriented Gestures equivalent to a human gesture?</a:t>
+            </a:r>
+          </a:p>
+        </p:txBody>
+      </p:sp>
+    </p:spTree>
+    <p:extLst>
+      <p:ext uri="{BB962C8B-B14F-4D97-AF65-F5344CB8AC3E}">
+        <p14:creationId xmlns:p14="http://schemas.microsoft.com/office/powerpoint/2010/main" val="2917523648"/>
+      </p:ext>
+    </p:extLst>
+  </p:cSld>
+  <p:clrMapOvr>
+    <a:masterClrMapping/>
+  </p:clrMapOvr>
+</p:sld>
+</file>
+
+<file path=ppt/slides/slide7.xml><?xml version="1.0" encoding="utf-8"?>
+<p:sld xmlns:a="http://schemas.openxmlformats.org/drawingml/2006/main" xmlns:r="http://schemas.openxmlformats.org/officeDocument/2006/relationships" xmlns:p="http://schemas.openxmlformats.org/presentationml/2006/main">
+  <p:cSld>
+    <p:spTree>
+      <p:nvGrpSpPr>
+        <p:cNvPr id="1" name=""/>
+        <p:cNvGrpSpPr/>
+        <p:nvPr/>
+      </p:nvGrpSpPr>
+      <p:grpSpPr>
+        <a:xfrm>
+          <a:off x="0" y="0"/>
+          <a:ext cx="0" cy="0"/>
+          <a:chOff x="0" y="0"/>
+          <a:chExt cx="0" cy="0"/>
+        </a:xfrm>
+      </p:grpSpPr>
+      <p:sp>
+        <p:nvSpPr>
+          <p:cNvPr id="2" name="Title 1">
+            <a:extLst>
+              <a:ext uri="{FF2B5EF4-FFF2-40B4-BE49-F238E27FC236}">
+                <a16:creationId xmlns:a16="http://schemas.microsoft.com/office/drawing/2014/main" id="{AC1E8F1A-46AD-964B-8816-5DD22B0488AA}"/>
+              </a:ext>
+            </a:extLst>
+          </p:cNvPr>
+          <p:cNvSpPr>
+            <a:spLocks noGrp="1"/>
+          </p:cNvSpPr>
+          <p:nvPr>
+            <p:ph type="title"/>
+          </p:nvPr>
+        </p:nvSpPr>
+        <p:spPr/>
+        <p:txBody>
+          <a:bodyPr/>
+          <a:lstStyle/>
+          <a:p>
+            <a:r>
+              <a:rPr lang="en-US" dirty="0"/>
+              <a:t>Question 3</a:t>
+            </a:r>
+          </a:p>
+        </p:txBody>
+      </p:sp>
+      <p:sp>
+        <p:nvSpPr>
+          <p:cNvPr id="3" name="Content Placeholder 2">
+            <a:extLst>
+              <a:ext uri="{FF2B5EF4-FFF2-40B4-BE49-F238E27FC236}">
+                <a16:creationId xmlns:a16="http://schemas.microsoft.com/office/drawing/2014/main" id="{54993860-D5BC-8244-B988-04A3CF6D38B9}"/>
+              </a:ext>
+            </a:extLst>
+          </p:cNvPr>
+          <p:cNvSpPr>
+            <a:spLocks noGrp="1"/>
+          </p:cNvSpPr>
+          <p:nvPr>
+            <p:ph idx="1"/>
+          </p:nvPr>
+        </p:nvSpPr>
+        <p:spPr/>
+        <p:txBody>
+          <a:bodyPr/>
+          <a:lstStyle/>
+          <a:p>
+            <a:r>
+              <a:rPr lang="en-US" dirty="0"/>
+              <a:t>Can AGT be used across all smartphones, because their gesture length, screen size </a:t>
+            </a:r>
+            <a:r>
+              <a:rPr lang="en-US" dirty="0" err="1"/>
+              <a:t>etc</a:t>
+            </a:r>
+            <a:r>
+              <a:rPr lang="en-US" dirty="0"/>
+              <a:t> can vary?</a:t>
+            </a:r>
+          </a:p>
+        </p:txBody>
+      </p:sp>
+    </p:spTree>
+    <p:extLst>
+      <p:ext uri="{BB962C8B-B14F-4D97-AF65-F5344CB8AC3E}">
+        <p14:creationId xmlns:p14="http://schemas.microsoft.com/office/powerpoint/2010/main" val="236663965"/>
+      </p:ext>
+    </p:extLst>
+  </p:cSld>
+  <p:clrMapOvr>
+    <a:masterClrMapping/>
+  </p:clrMapOvr>
+</p:sld>
+</file>
+
+<file path=ppt/slides/slide8.xml><?xml version="1.0" encoding="utf-8"?>
+<p:sld xmlns:a="http://schemas.openxmlformats.org/drawingml/2006/main" xmlns:r="http://schemas.openxmlformats.org/officeDocument/2006/relationships" xmlns:p="http://schemas.openxmlformats.org/presentationml/2006/main">
+  <p:cSld>
+    <p:spTree>
+      <p:nvGrpSpPr>
+        <p:cNvPr id="1" name=""/>
+        <p:cNvGrpSpPr/>
+        <p:nvPr/>
+      </p:nvGrpSpPr>
+      <p:grpSpPr>
+        <a:xfrm>
+          <a:off x="0" y="0"/>
+          <a:ext cx="0" cy="0"/>
+          <a:chOff x="0" y="0"/>
+          <a:chExt cx="0" cy="0"/>
+        </a:xfrm>
+      </p:grpSpPr>
+      <p:sp>
+        <p:nvSpPr>
+          <p:cNvPr id="2" name="Title 1">
+            <a:extLst>
+              <a:ext uri="{FF2B5EF4-FFF2-40B4-BE49-F238E27FC236}">
                 <a16:creationId xmlns:a16="http://schemas.microsoft.com/office/drawing/2014/main" id="{3170A5FF-B8D1-1448-8CF0-C91F63A8F60B}"/>
               </a:ext>
             </a:extLst>
@@ -3818,7 +4129,7 @@
 </p:sld>
 </file>
 
-<file path=ppt/slides/slide6.xml><?xml version="1.0" encoding="utf-8"?>
+<file path=ppt/slides/slide9.xml><?xml version="1.0" encoding="utf-8"?>
 <p:sld xmlns:a="http://schemas.openxmlformats.org/drawingml/2006/main" xmlns:r="http://schemas.openxmlformats.org/officeDocument/2006/relationships" xmlns:p="http://schemas.openxmlformats.org/presentationml/2006/main">
   <p:cSld>
     <p:spTree>
